--- a/Weekly-Reports/PaperDraft_v1.pptx
+++ b/Weekly-Reports/PaperDraft_v1.pptx
@@ -247,7 +247,7 @@
           <a:p>
             <a:fld id="{A1E370E7-FD7C-42BE-A47A-6B56B536AAD9}" type="datetimeFigureOut">
               <a:rPr lang="sv-SE" smtClean="0"/>
-              <a:t>2023-11-16</a:t>
+              <a:t>2023-11-22</a:t>
             </a:fld>
             <a:endParaRPr lang="sv-SE"/>
           </a:p>
@@ -417,7 +417,7 @@
           <a:p>
             <a:fld id="{A1E370E7-FD7C-42BE-A47A-6B56B536AAD9}" type="datetimeFigureOut">
               <a:rPr lang="sv-SE" smtClean="0"/>
-              <a:t>2023-11-16</a:t>
+              <a:t>2023-11-22</a:t>
             </a:fld>
             <a:endParaRPr lang="sv-SE"/>
           </a:p>
@@ -597,7 +597,7 @@
           <a:p>
             <a:fld id="{A1E370E7-FD7C-42BE-A47A-6B56B536AAD9}" type="datetimeFigureOut">
               <a:rPr lang="sv-SE" smtClean="0"/>
-              <a:t>2023-11-16</a:t>
+              <a:t>2023-11-22</a:t>
             </a:fld>
             <a:endParaRPr lang="sv-SE"/>
           </a:p>
@@ -767,7 +767,7 @@
           <a:p>
             <a:fld id="{A1E370E7-FD7C-42BE-A47A-6B56B536AAD9}" type="datetimeFigureOut">
               <a:rPr lang="sv-SE" smtClean="0"/>
-              <a:t>2023-11-16</a:t>
+              <a:t>2023-11-22</a:t>
             </a:fld>
             <a:endParaRPr lang="sv-SE"/>
           </a:p>
@@ -1013,7 +1013,7 @@
           <a:p>
             <a:fld id="{A1E370E7-FD7C-42BE-A47A-6B56B536AAD9}" type="datetimeFigureOut">
               <a:rPr lang="sv-SE" smtClean="0"/>
-              <a:t>2023-11-16</a:t>
+              <a:t>2023-11-22</a:t>
             </a:fld>
             <a:endParaRPr lang="sv-SE"/>
           </a:p>
@@ -1245,7 +1245,7 @@
           <a:p>
             <a:fld id="{A1E370E7-FD7C-42BE-A47A-6B56B536AAD9}" type="datetimeFigureOut">
               <a:rPr lang="sv-SE" smtClean="0"/>
-              <a:t>2023-11-16</a:t>
+              <a:t>2023-11-22</a:t>
             </a:fld>
             <a:endParaRPr lang="sv-SE"/>
           </a:p>
@@ -1612,7 +1612,7 @@
           <a:p>
             <a:fld id="{A1E370E7-FD7C-42BE-A47A-6B56B536AAD9}" type="datetimeFigureOut">
               <a:rPr lang="sv-SE" smtClean="0"/>
-              <a:t>2023-11-16</a:t>
+              <a:t>2023-11-22</a:t>
             </a:fld>
             <a:endParaRPr lang="sv-SE"/>
           </a:p>
@@ -1730,7 +1730,7 @@
           <a:p>
             <a:fld id="{A1E370E7-FD7C-42BE-A47A-6B56B536AAD9}" type="datetimeFigureOut">
               <a:rPr lang="sv-SE" smtClean="0"/>
-              <a:t>2023-11-16</a:t>
+              <a:t>2023-11-22</a:t>
             </a:fld>
             <a:endParaRPr lang="sv-SE"/>
           </a:p>
@@ -1825,7 +1825,7 @@
           <a:p>
             <a:fld id="{A1E370E7-FD7C-42BE-A47A-6B56B536AAD9}" type="datetimeFigureOut">
               <a:rPr lang="sv-SE" smtClean="0"/>
-              <a:t>2023-11-16</a:t>
+              <a:t>2023-11-22</a:t>
             </a:fld>
             <a:endParaRPr lang="sv-SE"/>
           </a:p>
@@ -2102,7 +2102,7 @@
           <a:p>
             <a:fld id="{A1E370E7-FD7C-42BE-A47A-6B56B536AAD9}" type="datetimeFigureOut">
               <a:rPr lang="sv-SE" smtClean="0"/>
-              <a:t>2023-11-16</a:t>
+              <a:t>2023-11-22</a:t>
             </a:fld>
             <a:endParaRPr lang="sv-SE"/>
           </a:p>
@@ -2355,7 +2355,7 @@
           <a:p>
             <a:fld id="{A1E370E7-FD7C-42BE-A47A-6B56B536AAD9}" type="datetimeFigureOut">
               <a:rPr lang="sv-SE" smtClean="0"/>
-              <a:t>2023-11-16</a:t>
+              <a:t>2023-11-22</a:t>
             </a:fld>
             <a:endParaRPr lang="sv-SE"/>
           </a:p>
@@ -2568,7 +2568,7 @@
           <a:p>
             <a:fld id="{A1E370E7-FD7C-42BE-A47A-6B56B536AAD9}" type="datetimeFigureOut">
               <a:rPr lang="sv-SE" smtClean="0"/>
-              <a:t>2023-11-16</a:t>
+              <a:t>2023-11-22</a:t>
             </a:fld>
             <a:endParaRPr lang="sv-SE"/>
           </a:p>
@@ -3094,18 +3094,32 @@
               <a:t> for </a:t>
             </a:r>
             <a:r>
+              <a:rPr lang="sv-SE" sz="2000" b="1" dirty="0" smtClean="0">
+                <a:latin typeface="Times" panose="02020603050405020304" pitchFamily="18" charset="0"/>
+                <a:cs typeface="Times" panose="02020603050405020304" pitchFamily="18" charset="0"/>
+              </a:rPr>
+              <a:t>Heavy-</a:t>
+            </a:r>
+            <a:r>
               <a:rPr lang="sv-SE" sz="2000" b="1" dirty="0" err="1" smtClean="0">
                 <a:latin typeface="Times" panose="02020603050405020304" pitchFamily="18" charset="0"/>
                 <a:cs typeface="Times" panose="02020603050405020304" pitchFamily="18" charset="0"/>
               </a:rPr>
-              <a:t>High-Duty</a:t>
+              <a:t>Duty</a:t>
             </a:r>
             <a:r>
               <a:rPr lang="sv-SE" sz="2000" b="1" dirty="0" smtClean="0">
                 <a:latin typeface="Times" panose="02020603050405020304" pitchFamily="18" charset="0"/>
                 <a:cs typeface="Times" panose="02020603050405020304" pitchFamily="18" charset="0"/>
               </a:rPr>
-              <a:t> Electric Truck </a:t>
+              <a:t> </a:t>
+            </a:r>
+            <a:r>
+              <a:rPr lang="sv-SE" sz="2000" b="1" dirty="0" smtClean="0">
+                <a:latin typeface="Times" panose="02020603050405020304" pitchFamily="18" charset="0"/>
+                <a:cs typeface="Times" panose="02020603050405020304" pitchFamily="18" charset="0"/>
+              </a:rPr>
+              <a:t>Electric Truck </a:t>
             </a:r>
             <a:endParaRPr lang="sv-SE" sz="2000" b="1" dirty="0">
               <a:latin typeface="Times" panose="02020603050405020304" pitchFamily="18" charset="0"/>
@@ -4406,11 +4420,7 @@
             </a:pPr>
             <a:r>
               <a:rPr lang="en-US" dirty="0" smtClean="0"/>
-              <a:t>Loss and Size </a:t>
-            </a:r>
-            <a:r>
-              <a:rPr lang="en-US" dirty="0" smtClean="0"/>
-              <a:t>Comparison</a:t>
+              <a:t>Loss and Size Comparison</a:t>
             </a:r>
           </a:p>
           <a:p>
@@ -4459,7 +4469,15 @@
             </a:pPr>
             <a:r>
               <a:rPr lang="en-US" dirty="0" smtClean="0"/>
-              <a:t>Output Harmonics   and Possible Motor Losses</a:t>
+              <a:t>Output Harmonics  </a:t>
+            </a:r>
+            <a:r>
+              <a:rPr lang="en-US" dirty="0" smtClean="0"/>
+              <a:t>and </a:t>
+            </a:r>
+            <a:r>
+              <a:rPr lang="en-US" dirty="0" smtClean="0"/>
+              <a:t>Possible Motor Losses</a:t>
             </a:r>
           </a:p>
           <a:p>
@@ -4490,11 +4508,7 @@
             </a:pPr>
             <a:r>
               <a:rPr lang="en-US" dirty="0" smtClean="0"/>
-              <a:t>C. Common </a:t>
-            </a:r>
-            <a:r>
-              <a:rPr lang="en-US" dirty="0" smtClean="0"/>
-              <a:t>Mode Voltage and Bearing Current</a:t>
+              <a:t>C. Common Mode Voltage and Bearing Current</a:t>
             </a:r>
           </a:p>
           <a:p>
@@ -4561,7 +4575,7 @@
         </p:nvCxnSpPr>
         <p:spPr>
           <a:xfrm flipV="1">
-            <a:off x="3619500" y="1476375"/>
+            <a:off x="3619499" y="1537921"/>
             <a:ext cx="2924175" cy="19050"/>
           </a:xfrm>
           <a:prstGeom prst="straightConnector1">
